--- a/img/model_diagram.pptx
+++ b/img/model_diagram.pptx
@@ -104,6 +104,11 @@
       </a:defRPr>
     </a:lvl9pPr>
   </p:defaultTextStyle>
+  <p:extLst>
+    <p:ext uri="{EFAFB233-063F-42B5-8137-9DF3F51BA10A}">
+      <p15:sldGuideLst xmlns:p15="http://schemas.microsoft.com/office/powerpoint/2012/main"/>
+    </p:ext>
+  </p:extLst>
 </p:presentation>
 </file>
 
@@ -254,7 +259,7 @@
           <a:p>
             <a:fld id="{CD7D9AC3-7FEC-1B48-9D7D-1F053EF2606E}" type="datetimeFigureOut">
               <a:rPr lang="en-US" smtClean="0"/>
-              <a:t>12/18/23</a:t>
+              <a:t>12/22/23</a:t>
             </a:fld>
             <a:endParaRPr lang="en-US"/>
           </a:p>
@@ -452,7 +457,7 @@
           <a:p>
             <a:fld id="{CD7D9AC3-7FEC-1B48-9D7D-1F053EF2606E}" type="datetimeFigureOut">
               <a:rPr lang="en-US" smtClean="0"/>
-              <a:t>12/18/23</a:t>
+              <a:t>12/22/23</a:t>
             </a:fld>
             <a:endParaRPr lang="en-US"/>
           </a:p>
@@ -660,7 +665,7 @@
           <a:p>
             <a:fld id="{CD7D9AC3-7FEC-1B48-9D7D-1F053EF2606E}" type="datetimeFigureOut">
               <a:rPr lang="en-US" smtClean="0"/>
-              <a:t>12/18/23</a:t>
+              <a:t>12/22/23</a:t>
             </a:fld>
             <a:endParaRPr lang="en-US"/>
           </a:p>
@@ -858,7 +863,7 @@
           <a:p>
             <a:fld id="{CD7D9AC3-7FEC-1B48-9D7D-1F053EF2606E}" type="datetimeFigureOut">
               <a:rPr lang="en-US" smtClean="0"/>
-              <a:t>12/18/23</a:t>
+              <a:t>12/22/23</a:t>
             </a:fld>
             <a:endParaRPr lang="en-US"/>
           </a:p>
@@ -1133,7 +1138,7 @@
           <a:p>
             <a:fld id="{CD7D9AC3-7FEC-1B48-9D7D-1F053EF2606E}" type="datetimeFigureOut">
               <a:rPr lang="en-US" smtClean="0"/>
-              <a:t>12/18/23</a:t>
+              <a:t>12/22/23</a:t>
             </a:fld>
             <a:endParaRPr lang="en-US"/>
           </a:p>
@@ -1398,7 +1403,7 @@
           <a:p>
             <a:fld id="{CD7D9AC3-7FEC-1B48-9D7D-1F053EF2606E}" type="datetimeFigureOut">
               <a:rPr lang="en-US" smtClean="0"/>
-              <a:t>12/18/23</a:t>
+              <a:t>12/22/23</a:t>
             </a:fld>
             <a:endParaRPr lang="en-US"/>
           </a:p>
@@ -1810,7 +1815,7 @@
           <a:p>
             <a:fld id="{CD7D9AC3-7FEC-1B48-9D7D-1F053EF2606E}" type="datetimeFigureOut">
               <a:rPr lang="en-US" smtClean="0"/>
-              <a:t>12/18/23</a:t>
+              <a:t>12/22/23</a:t>
             </a:fld>
             <a:endParaRPr lang="en-US"/>
           </a:p>
@@ -1951,7 +1956,7 @@
           <a:p>
             <a:fld id="{CD7D9AC3-7FEC-1B48-9D7D-1F053EF2606E}" type="datetimeFigureOut">
               <a:rPr lang="en-US" smtClean="0"/>
-              <a:t>12/18/23</a:t>
+              <a:t>12/22/23</a:t>
             </a:fld>
             <a:endParaRPr lang="en-US"/>
           </a:p>
@@ -2064,7 +2069,7 @@
           <a:p>
             <a:fld id="{CD7D9AC3-7FEC-1B48-9D7D-1F053EF2606E}" type="datetimeFigureOut">
               <a:rPr lang="en-US" smtClean="0"/>
-              <a:t>12/18/23</a:t>
+              <a:t>12/22/23</a:t>
             </a:fld>
             <a:endParaRPr lang="en-US"/>
           </a:p>
@@ -2375,7 +2380,7 @@
           <a:p>
             <a:fld id="{CD7D9AC3-7FEC-1B48-9D7D-1F053EF2606E}" type="datetimeFigureOut">
               <a:rPr lang="en-US" smtClean="0"/>
-              <a:t>12/18/23</a:t>
+              <a:t>12/22/23</a:t>
             </a:fld>
             <a:endParaRPr lang="en-US"/>
           </a:p>
@@ -2663,7 +2668,7 @@
           <a:p>
             <a:fld id="{CD7D9AC3-7FEC-1B48-9D7D-1F053EF2606E}" type="datetimeFigureOut">
               <a:rPr lang="en-US" smtClean="0"/>
-              <a:t>12/18/23</a:t>
+              <a:t>12/22/23</a:t>
             </a:fld>
             <a:endParaRPr lang="en-US"/>
           </a:p>
@@ -2904,7 +2909,7 @@
           <a:p>
             <a:fld id="{CD7D9AC3-7FEC-1B48-9D7D-1F053EF2606E}" type="datetimeFigureOut">
               <a:rPr lang="en-US" smtClean="0"/>
-              <a:t>12/18/23</a:t>
+              <a:t>12/22/23</a:t>
             </a:fld>
             <a:endParaRPr lang="en-US"/>
           </a:p>
@@ -3546,7 +3551,7 @@
         </p:nvSpPr>
         <p:spPr>
           <a:xfrm>
-            <a:off x="2524066" y="1069531"/>
+            <a:off x="2229505" y="1155390"/>
             <a:ext cx="567784" cy="369332"/>
           </a:xfrm>
           <a:prstGeom prst="rect">
@@ -3584,7 +3589,7 @@
         </p:nvSpPr>
         <p:spPr>
           <a:xfrm>
-            <a:off x="1704219" y="2342275"/>
+            <a:off x="1728665" y="2417756"/>
             <a:ext cx="420308" cy="369332"/>
           </a:xfrm>
           <a:prstGeom prst="rect">
@@ -3593,7 +3598,7 @@
           <a:noFill/>
         </p:spPr>
         <p:txBody>
-          <a:bodyPr wrap="none" rtlCol="0">
+          <a:bodyPr wrap="square" rtlCol="0">
             <a:spAutoFit/>
           </a:bodyPr>
           <a:lstStyle/>
@@ -3620,9 +3625,9 @@
           <p:nvPr/>
         </p:nvCxnSpPr>
         <p:spPr>
-          <a:xfrm flipH="1" flipV="1">
-            <a:off x="2124527" y="2526941"/>
-            <a:ext cx="684767" cy="14144"/>
+          <a:xfrm flipH="1">
+            <a:off x="2123041" y="2587567"/>
+            <a:ext cx="344002" cy="5922"/>
           </a:xfrm>
           <a:prstGeom prst="straightConnector1">
             <a:avLst/>
@@ -3665,8 +3670,8 @@
         </p:nvCxnSpPr>
         <p:spPr>
           <a:xfrm flipV="1">
-            <a:off x="2815480" y="2142555"/>
-            <a:ext cx="744844" cy="346666"/>
+            <a:off x="2465556" y="2180749"/>
+            <a:ext cx="1094504" cy="415281"/>
           </a:xfrm>
           <a:prstGeom prst="straightConnector1">
             <a:avLst/>
@@ -3710,8 +3715,8 @@
         </p:nvCxnSpPr>
         <p:spPr>
           <a:xfrm>
-            <a:off x="2809294" y="2531538"/>
-            <a:ext cx="751030" cy="505937"/>
+            <a:off x="2465292" y="2596030"/>
+            <a:ext cx="1095032" cy="441445"/>
           </a:xfrm>
           <a:prstGeom prst="straightConnector1">
             <a:avLst/>
@@ -3831,7 +3836,7 @@
         </p:nvSpPr>
         <p:spPr>
           <a:xfrm>
-            <a:off x="3721261" y="1415565"/>
+            <a:off x="3733618" y="1390851"/>
             <a:ext cx="473206" cy="369332"/>
           </a:xfrm>
           <a:prstGeom prst="rect">
@@ -3874,9 +3879,9 @@
           <p:nvPr/>
         </p:nvCxnSpPr>
         <p:spPr>
-          <a:xfrm flipH="1" flipV="1">
-            <a:off x="3957864" y="1784897"/>
-            <a:ext cx="8341" cy="160635"/>
+          <a:xfrm flipV="1">
+            <a:off x="3966205" y="1760183"/>
+            <a:ext cx="4016" cy="185349"/>
           </a:xfrm>
           <a:prstGeom prst="line">
             <a:avLst/>
@@ -3885,6 +3890,9 @@
             <a:solidFill>
               <a:schemeClr val="tx1"/>
             </a:solidFill>
+            <a:prstDash val="dash"/>
+            <a:headEnd type="none"/>
+            <a:tailEnd type="triangle"/>
           </a:ln>
         </p:spPr>
         <p:style>
@@ -3916,7 +3924,7 @@
         </p:nvSpPr>
         <p:spPr>
           <a:xfrm>
-            <a:off x="2461857" y="3311611"/>
+            <a:off x="1881087" y="3311611"/>
             <a:ext cx="441981" cy="345989"/>
           </a:xfrm>
           <a:prstGeom prst="rect">
@@ -3968,7 +3976,7 @@
         </p:nvSpPr>
         <p:spPr>
           <a:xfrm>
-            <a:off x="2312214" y="3599475"/>
+            <a:off x="1731444" y="3599475"/>
             <a:ext cx="734112" cy="369332"/>
           </a:xfrm>
           <a:prstGeom prst="rect">
@@ -4005,7 +4013,7 @@
         </p:nvCxnSpPr>
         <p:spPr>
           <a:xfrm>
-            <a:off x="3337395" y="3491214"/>
+            <a:off x="2756625" y="3491214"/>
             <a:ext cx="628794" cy="0"/>
           </a:xfrm>
           <a:prstGeom prst="straightConnector1">
@@ -4047,7 +4055,7 @@
         </p:nvSpPr>
         <p:spPr>
           <a:xfrm>
-            <a:off x="3237799" y="3612731"/>
+            <a:off x="2657029" y="3612731"/>
             <a:ext cx="728405" cy="369332"/>
           </a:xfrm>
           <a:prstGeom prst="rect">
@@ -4082,7 +4090,7 @@
         </p:nvSpPr>
         <p:spPr>
           <a:xfrm>
-            <a:off x="4689400" y="3318219"/>
+            <a:off x="4108630" y="3318219"/>
             <a:ext cx="441981" cy="345989"/>
           </a:xfrm>
           <a:prstGeom prst="rect">
@@ -4135,8 +4143,8 @@
         </p:nvSpPr>
         <p:spPr>
           <a:xfrm>
-            <a:off x="4033296" y="3658654"/>
-            <a:ext cx="2369169" cy="369332"/>
+            <a:off x="3792985" y="3651570"/>
+            <a:ext cx="1021765" cy="646331"/>
           </a:xfrm>
           <a:prstGeom prst="rect">
             <a:avLst/>
@@ -4149,9 +4157,17 @@
           </a:bodyPr>
           <a:lstStyle/>
           <a:p>
+            <a:pPr algn="ctr"/>
             <a:r>
               <a:rPr lang="en-US" dirty="0"/>
-              <a:t>derived variables</a:t>
+              <a:t>derived </a:t>
+            </a:r>
+          </a:p>
+          <a:p>
+            <a:pPr algn="ctr"/>
+            <a:r>
+              <a:rPr lang="en-US" dirty="0"/>
+              <a:t>variables</a:t>
             </a:r>
           </a:p>
         </p:txBody>
@@ -4174,8 +4190,8 @@
         </p:nvCxnSpPr>
         <p:spPr>
           <a:xfrm>
-            <a:off x="3091850" y="1254197"/>
-            <a:ext cx="866014" cy="161368"/>
+            <a:off x="2797289" y="1340056"/>
+            <a:ext cx="1172932" cy="50795"/>
           </a:xfrm>
           <a:prstGeom prst="bentConnector2">
             <a:avLst/>
@@ -4185,6 +4201,7 @@
               <a:schemeClr val="tx1"/>
             </a:solidFill>
             <a:prstDash val="dash"/>
+            <a:headEnd type="triangle"/>
             <a:tailEnd type="none"/>
           </a:ln>
         </p:spPr>
@@ -4217,7 +4234,7 @@
         </p:nvSpPr>
         <p:spPr>
           <a:xfrm>
-            <a:off x="1758685" y="1083304"/>
+            <a:off x="1520171" y="1155390"/>
             <a:ext cx="544380" cy="369332"/>
           </a:xfrm>
           <a:prstGeom prst="rect">
@@ -4255,7 +4272,7 @@
         </p:nvSpPr>
         <p:spPr>
           <a:xfrm>
-            <a:off x="4623232" y="1333230"/>
+            <a:off x="4536733" y="1333230"/>
             <a:ext cx="697948" cy="369332"/>
           </a:xfrm>
           <a:prstGeom prst="rect">
@@ -4295,8 +4312,8 @@
         </p:nvCxnSpPr>
         <p:spPr>
           <a:xfrm>
-            <a:off x="2807958" y="1387682"/>
-            <a:ext cx="9487" cy="1143856"/>
+            <a:off x="2479545" y="1517896"/>
+            <a:ext cx="0" cy="1082313"/>
           </a:xfrm>
           <a:prstGeom prst="straightConnector1">
             <a:avLst/>
@@ -4339,9 +4356,9 @@
           <p:nvPr/>
         </p:nvCxnSpPr>
         <p:spPr>
-          <a:xfrm flipV="1">
-            <a:off x="2303065" y="1254197"/>
-            <a:ext cx="221001" cy="13773"/>
+          <a:xfrm>
+            <a:off x="2064551" y="1340056"/>
+            <a:ext cx="164954" cy="0"/>
           </a:xfrm>
           <a:prstGeom prst="line">
             <a:avLst/>
@@ -4351,6 +4368,7 @@
               <a:schemeClr val="tx1"/>
             </a:solidFill>
             <a:prstDash val="dash"/>
+            <a:tailEnd type="triangle"/>
           </a:ln>
         </p:spPr>
         <p:style>
@@ -4386,8 +4404,8 @@
         </p:nvCxnSpPr>
         <p:spPr>
           <a:xfrm flipH="1" flipV="1">
-            <a:off x="5321180" y="1517896"/>
-            <a:ext cx="144889" cy="1651"/>
+            <a:off x="5234681" y="1517896"/>
+            <a:ext cx="231388" cy="1651"/>
           </a:xfrm>
           <a:prstGeom prst="line">
             <a:avLst/>
@@ -4397,6 +4415,7 @@
               <a:schemeClr val="tx1"/>
             </a:solidFill>
             <a:prstDash val="dash"/>
+            <a:headEnd type="triangle"/>
           </a:ln>
         </p:spPr>
         <p:style>
@@ -4515,6 +4534,172 @@
             <a:r>
               <a:rPr lang="en-US" dirty="0"/>
               <a:t>NEE = Rh + Ra - GPP</a:t>
+            </a:r>
+          </a:p>
+        </p:txBody>
+      </p:sp>
+      <p:cxnSp>
+        <p:nvCxnSpPr>
+          <p:cNvPr id="2" name="Straight Connector 1">
+            <a:extLst>
+              <a:ext uri="{FF2B5EF4-FFF2-40B4-BE49-F238E27FC236}">
+                <a16:creationId xmlns:a16="http://schemas.microsoft.com/office/drawing/2014/main" id="{3EA67CC7-D7EC-A1BA-F450-75C149559B1D}"/>
+              </a:ext>
+            </a:extLst>
+          </p:cNvPr>
+          <p:cNvCxnSpPr>
+            <a:cxnSpLocks/>
+          </p:cNvCxnSpPr>
+          <p:nvPr/>
+        </p:nvCxnSpPr>
+        <p:spPr>
+          <a:xfrm>
+            <a:off x="5366740" y="3483244"/>
+            <a:ext cx="381362" cy="0"/>
+          </a:xfrm>
+          <a:prstGeom prst="line">
+            <a:avLst/>
+          </a:prstGeom>
+          <a:ln w="22225">
+            <a:solidFill>
+              <a:schemeClr val="tx1"/>
+            </a:solidFill>
+            <a:prstDash val="dash"/>
+          </a:ln>
+        </p:spPr>
+        <p:style>
+          <a:lnRef idx="1">
+            <a:schemeClr val="accent1"/>
+          </a:lnRef>
+          <a:fillRef idx="0">
+            <a:schemeClr val="accent1"/>
+          </a:fillRef>
+          <a:effectRef idx="0">
+            <a:schemeClr val="accent1"/>
+          </a:effectRef>
+          <a:fontRef idx="minor">
+            <a:schemeClr val="tx1"/>
+          </a:fontRef>
+        </p:style>
+      </p:cxnSp>
+      <p:sp>
+        <p:nvSpPr>
+          <p:cNvPr id="3" name="TextBox 2">
+            <a:extLst>
+              <a:ext uri="{FF2B5EF4-FFF2-40B4-BE49-F238E27FC236}">
+                <a16:creationId xmlns:a16="http://schemas.microsoft.com/office/drawing/2014/main" id="{D5541BC8-1C04-C4A5-73B8-4E062438A25F}"/>
+              </a:ext>
+            </a:extLst>
+          </p:cNvPr>
+          <p:cNvSpPr txBox="1"/>
+          <p:nvPr/>
+        </p:nvSpPr>
+        <p:spPr>
+          <a:xfrm>
+            <a:off x="4814750" y="3591436"/>
+            <a:ext cx="1485342" cy="923330"/>
+          </a:xfrm>
+          <a:prstGeom prst="rect">
+            <a:avLst/>
+          </a:prstGeom>
+          <a:noFill/>
+        </p:spPr>
+        <p:txBody>
+          <a:bodyPr wrap="none" rtlCol="0">
+            <a:spAutoFit/>
+          </a:bodyPr>
+          <a:lstStyle/>
+          <a:p>
+            <a:pPr algn="ctr"/>
+            <a:r>
+              <a:rPr lang="en-US" dirty="0"/>
+              <a:t>Influence </a:t>
+            </a:r>
+          </a:p>
+          <a:p>
+            <a:pPr algn="ctr"/>
+            <a:r>
+              <a:rPr lang="en-US" dirty="0"/>
+              <a:t>(no exchange </a:t>
+            </a:r>
+          </a:p>
+          <a:p>
+            <a:pPr algn="ctr"/>
+            <a:r>
+              <a:rPr lang="en-US" dirty="0"/>
+              <a:t>of matter)</a:t>
+            </a:r>
+          </a:p>
+        </p:txBody>
+      </p:sp>
+      <p:sp>
+        <p:nvSpPr>
+          <p:cNvPr id="12" name="TextBox 11">
+            <a:extLst>
+              <a:ext uri="{FF2B5EF4-FFF2-40B4-BE49-F238E27FC236}">
+                <a16:creationId xmlns:a16="http://schemas.microsoft.com/office/drawing/2014/main" id="{A406939C-0E33-751B-B15F-EE6069F14573}"/>
+              </a:ext>
+            </a:extLst>
+          </p:cNvPr>
+          <p:cNvSpPr txBox="1"/>
+          <p:nvPr/>
+        </p:nvSpPr>
+        <p:spPr>
+          <a:xfrm rot="20415716">
+            <a:off x="2416705" y="2092636"/>
+            <a:ext cx="1149178" cy="369332"/>
+          </a:xfrm>
+          <a:prstGeom prst="rect">
+            <a:avLst/>
+          </a:prstGeom>
+          <a:noFill/>
+        </p:spPr>
+        <p:txBody>
+          <a:bodyPr wrap="square" rtlCol="0">
+            <a:spAutoFit/>
+          </a:bodyPr>
+          <a:lstStyle/>
+          <a:p>
+            <a:pPr algn="ctr"/>
+            <a:r>
+              <a:rPr lang="en-US" dirty="0"/>
+              <a:t>allocation</a:t>
+            </a:r>
+          </a:p>
+        </p:txBody>
+      </p:sp>
+      <p:sp>
+        <p:nvSpPr>
+          <p:cNvPr id="19" name="TextBox 18">
+            <a:extLst>
+              <a:ext uri="{FF2B5EF4-FFF2-40B4-BE49-F238E27FC236}">
+                <a16:creationId xmlns:a16="http://schemas.microsoft.com/office/drawing/2014/main" id="{09391D15-86B6-41B0-DA08-347889FC38D6}"/>
+              </a:ext>
+            </a:extLst>
+          </p:cNvPr>
+          <p:cNvSpPr txBox="1"/>
+          <p:nvPr/>
+        </p:nvSpPr>
+        <p:spPr>
+          <a:xfrm rot="1364443">
+            <a:off x="2371217" y="2787660"/>
+            <a:ext cx="1149178" cy="369332"/>
+          </a:xfrm>
+          <a:prstGeom prst="rect">
+            <a:avLst/>
+          </a:prstGeom>
+          <a:noFill/>
+        </p:spPr>
+        <p:txBody>
+          <a:bodyPr wrap="square" rtlCol="0">
+            <a:spAutoFit/>
+          </a:bodyPr>
+          <a:lstStyle/>
+          <a:p>
+            <a:pPr algn="ctr"/>
+            <a:r>
+              <a:rPr lang="en-US" dirty="0"/>
+              <a:t>allocation</a:t>
             </a:r>
           </a:p>
         </p:txBody>

--- a/img/model_diagram.pptx
+++ b/img/model_diagram.pptx
@@ -3380,7 +3380,7 @@
         </p:nvSpPr>
         <p:spPr>
           <a:xfrm>
-            <a:off x="5217881" y="2483477"/>
+            <a:off x="5203167" y="2409062"/>
             <a:ext cx="639919" cy="369332"/>
           </a:xfrm>
           <a:prstGeom prst="rect">
@@ -3464,7 +3464,7 @@
         <p:spPr>
           <a:xfrm>
             <a:off x="4372085" y="2130198"/>
-            <a:ext cx="1165756" cy="353279"/>
+            <a:ext cx="1151042" cy="278864"/>
           </a:xfrm>
           <a:prstGeom prst="bentConnector2">
             <a:avLst/>
@@ -3509,8 +3509,8 @@
         </p:nvCxnSpPr>
         <p:spPr>
           <a:xfrm flipV="1">
-            <a:off x="4305977" y="2852809"/>
-            <a:ext cx="1231864" cy="184666"/>
+            <a:off x="4305977" y="2778394"/>
+            <a:ext cx="1217150" cy="259081"/>
           </a:xfrm>
           <a:prstGeom prst="bentConnector2">
             <a:avLst/>
@@ -3754,13 +3754,14 @@
           </p:cNvPr>
           <p:cNvCxnSpPr>
             <a:cxnSpLocks/>
+            <a:endCxn id="36" idx="2"/>
           </p:cNvCxnSpPr>
           <p:nvPr/>
         </p:nvCxnSpPr>
         <p:spPr>
           <a:xfrm flipV="1">
-            <a:off x="5706419" y="1655215"/>
-            <a:ext cx="0" cy="827156"/>
+            <a:off x="5681833" y="1704213"/>
+            <a:ext cx="0" cy="704849"/>
           </a:xfrm>
           <a:prstGeom prst="straightConnector1">
             <a:avLst/>
@@ -3924,7 +3925,7 @@
         </p:nvSpPr>
         <p:spPr>
           <a:xfrm>
-            <a:off x="1881087" y="3311611"/>
+            <a:off x="2247782" y="3334740"/>
             <a:ext cx="441981" cy="345989"/>
           </a:xfrm>
           <a:prstGeom prst="rect">
@@ -3976,7 +3977,7 @@
         </p:nvSpPr>
         <p:spPr>
           <a:xfrm>
-            <a:off x="1731444" y="3599475"/>
+            <a:off x="2098139" y="3622604"/>
             <a:ext cx="734112" cy="369332"/>
           </a:xfrm>
           <a:prstGeom prst="rect">
@@ -4013,7 +4014,7 @@
         </p:nvCxnSpPr>
         <p:spPr>
           <a:xfrm>
-            <a:off x="2756625" y="3491214"/>
+            <a:off x="3123320" y="3514343"/>
             <a:ext cx="628794" cy="0"/>
           </a:xfrm>
           <a:prstGeom prst="straightConnector1">
@@ -4055,7 +4056,7 @@
         </p:nvSpPr>
         <p:spPr>
           <a:xfrm>
-            <a:off x="2657029" y="3612731"/>
+            <a:off x="3023724" y="3635860"/>
             <a:ext cx="728405" cy="369332"/>
           </a:xfrm>
           <a:prstGeom prst="rect">
@@ -4517,7 +4518,7 @@
         </p:nvSpPr>
         <p:spPr>
           <a:xfrm>
-            <a:off x="3046326" y="547958"/>
+            <a:off x="3046326" y="671528"/>
             <a:ext cx="2042547" cy="369332"/>
           </a:xfrm>
           <a:prstGeom prst="rect">
@@ -4554,7 +4555,7 @@
         </p:nvCxnSpPr>
         <p:spPr>
           <a:xfrm>
-            <a:off x="5366740" y="3483244"/>
+            <a:off x="5275388" y="3509750"/>
             <a:ext cx="381362" cy="0"/>
           </a:xfrm>
           <a:prstGeom prst="line">
@@ -4565,6 +4566,7 @@
               <a:schemeClr val="tx1"/>
             </a:solidFill>
             <a:prstDash val="dash"/>
+            <a:tailEnd type="triangle"/>
           </a:ln>
         </p:spPr>
         <p:style>
@@ -4596,8 +4598,8 @@
         </p:nvSpPr>
         <p:spPr>
           <a:xfrm>
-            <a:off x="4814750" y="3591436"/>
-            <a:ext cx="1485342" cy="923330"/>
+            <a:off x="4837694" y="3617942"/>
+            <a:ext cx="1256754" cy="923330"/>
           </a:xfrm>
           <a:prstGeom prst="rect">
             <a:avLst/>
@@ -4620,14 +4622,14 @@
             <a:pPr algn="ctr"/>
             <a:r>
               <a:rPr lang="en-US" dirty="0"/>
-              <a:t>(no exchange </a:t>
+              <a:t>(no carbon </a:t>
             </a:r>
           </a:p>
           <a:p>
             <a:pPr algn="ctr"/>
             <a:r>
               <a:rPr lang="en-US" dirty="0"/>
-              <a:t>of matter)</a:t>
+              <a:t>exchange)</a:t>
             </a:r>
           </a:p>
         </p:txBody>
